--- a/Coches_proyecto_final_ML/Fonsicar.pptx
+++ b/Coches_proyecto_final_ML/Fonsicar.pptx
@@ -5,22 +5,25 @@
     <p:sldMasterId id="2147483672" r:id="rId1"/>
   </p:sldMasterIdLst>
   <p:sldIdLst>
-    <p:sldId id="256" r:id="rId2"/>
-    <p:sldId id="257" r:id="rId3"/>
-    <p:sldId id="258" r:id="rId4"/>
-    <p:sldId id="259" r:id="rId5"/>
-    <p:sldId id="260" r:id="rId6"/>
-    <p:sldId id="261" r:id="rId7"/>
-    <p:sldId id="262" r:id="rId8"/>
-    <p:sldId id="263" r:id="rId9"/>
-    <p:sldId id="264" r:id="rId10"/>
-    <p:sldId id="266" r:id="rId11"/>
-    <p:sldId id="265" r:id="rId12"/>
-    <p:sldId id="267" r:id="rId13"/>
-    <p:sldId id="268" r:id="rId14"/>
-    <p:sldId id="269" r:id="rId15"/>
-    <p:sldId id="270" r:id="rId16"/>
-    <p:sldId id="271" r:id="rId17"/>
+    <p:sldId id="275" r:id="rId2"/>
+    <p:sldId id="256" r:id="rId3"/>
+    <p:sldId id="257" r:id="rId4"/>
+    <p:sldId id="258" r:id="rId5"/>
+    <p:sldId id="259" r:id="rId6"/>
+    <p:sldId id="260" r:id="rId7"/>
+    <p:sldId id="261" r:id="rId8"/>
+    <p:sldId id="262" r:id="rId9"/>
+    <p:sldId id="263" r:id="rId10"/>
+    <p:sldId id="264" r:id="rId11"/>
+    <p:sldId id="266" r:id="rId12"/>
+    <p:sldId id="265" r:id="rId13"/>
+    <p:sldId id="267" r:id="rId14"/>
+    <p:sldId id="268" r:id="rId15"/>
+    <p:sldId id="269" r:id="rId16"/>
+    <p:sldId id="270" r:id="rId17"/>
+    <p:sldId id="271" r:id="rId18"/>
+    <p:sldId id="272" r:id="rId19"/>
+    <p:sldId id="273" r:id="rId20"/>
   </p:sldIdLst>
   <p:sldSz cx="12192000" cy="6858000"/>
   <p:notesSz cx="6858000" cy="9144000"/>
@@ -119,6 +122,11 @@
       </a:defRPr>
     </a:lvl9pPr>
   </p:defaultTextStyle>
+  <p:extLst>
+    <p:ext uri="{EFAFB233-063F-42B5-8137-9DF3F51BA10A}">
+      <p15:sldGuideLst xmlns:p15="http://schemas.microsoft.com/office/powerpoint/2012/main"/>
+    </p:ext>
+  </p:extLst>
 </p:presentation>
 </file>
 
@@ -7760,69 +7768,106 @@
       </p:grpSpPr>
       <p:sp>
         <p:nvSpPr>
-          <p:cNvPr id="2" name="Título 1">
+          <p:cNvPr id="2" name="CuadroTexto 1">
             <a:extLst>
               <a:ext uri="{FF2B5EF4-FFF2-40B4-BE49-F238E27FC236}">
-                <a16:creationId xmlns:a16="http://schemas.microsoft.com/office/drawing/2014/main" id="{F0E80FF7-AFC3-23B0-AFE4-4963969DF16F}"/>
+                <a16:creationId xmlns:a16="http://schemas.microsoft.com/office/drawing/2014/main" id="{BF0ED35A-6225-B19F-BCCB-5BEA0A8743DA}"/>
               </a:ext>
             </a:extLst>
           </p:cNvPr>
-          <p:cNvSpPr>
-            <a:spLocks noGrp="1"/>
-          </p:cNvSpPr>
-          <p:nvPr>
-            <p:ph type="ctrTitle"/>
-          </p:nvPr>
-        </p:nvSpPr>
-        <p:spPr/>
-        <p:txBody>
-          <a:bodyPr/>
+          <p:cNvSpPr txBox="1"/>
+          <p:nvPr/>
+        </p:nvSpPr>
+        <p:spPr>
+          <a:xfrm>
+            <a:off x="6365289" y="1669000"/>
+            <a:ext cx="4279038" cy="769441"/>
+          </a:xfrm>
+          <a:prstGeom prst="rect">
+            <a:avLst/>
+          </a:prstGeom>
+          <a:noFill/>
+        </p:spPr>
+        <p:txBody>
+          <a:bodyPr wrap="square" rtlCol="0">
+            <a:spAutoFit/>
+          </a:bodyPr>
           <a:lstStyle/>
           <a:p>
-            <a:pPr algn="ctr"/>
-            <a:r>
-              <a:rPr lang="es-ES" dirty="0">
-                <a:solidFill>
-                  <a:srgbClr val="00B0F0"/>
-                </a:solidFill>
-              </a:rPr>
-              <a:t>FONSICAR</a:t>
-            </a:r>
-          </a:p>
-        </p:txBody>
-      </p:sp>
-      <p:sp>
-        <p:nvSpPr>
-          <p:cNvPr id="3" name="Subtítulo 2">
+            <a:pPr algn="just"/>
+            <a:r>
+              <a:rPr lang="es-ES" sz="4400" dirty="0"/>
+              <a:t>¿ES UN PAJARO?</a:t>
+            </a:r>
+          </a:p>
+        </p:txBody>
+      </p:sp>
+      <p:sp>
+        <p:nvSpPr>
+          <p:cNvPr id="3" name="CuadroTexto 2">
             <a:extLst>
               <a:ext uri="{FF2B5EF4-FFF2-40B4-BE49-F238E27FC236}">
-                <a16:creationId xmlns:a16="http://schemas.microsoft.com/office/drawing/2014/main" id="{58C0D88B-6280-65F0-FAE7-D83B6166CC38}"/>
+                <a16:creationId xmlns:a16="http://schemas.microsoft.com/office/drawing/2014/main" id="{F94352AF-0E6D-5FFF-70A8-CB61135F07CE}"/>
               </a:ext>
             </a:extLst>
           </p:cNvPr>
-          <p:cNvSpPr>
-            <a:spLocks noGrp="1"/>
-          </p:cNvSpPr>
-          <p:nvPr>
-            <p:ph type="subTitle" idx="1"/>
-          </p:nvPr>
-        </p:nvSpPr>
-        <p:spPr/>
-        <p:txBody>
-          <a:bodyPr>
-            <a:normAutofit lnSpcReduction="10000"/>
+          <p:cNvSpPr txBox="1"/>
+          <p:nvPr/>
+        </p:nvSpPr>
+        <p:spPr>
+          <a:xfrm>
+            <a:off x="1118587" y="3254977"/>
+            <a:ext cx="3941686" cy="769441"/>
+          </a:xfrm>
+          <a:prstGeom prst="rect">
+            <a:avLst/>
+          </a:prstGeom>
+          <a:noFill/>
+        </p:spPr>
+        <p:txBody>
+          <a:bodyPr wrap="square" rtlCol="0">
+            <a:spAutoFit/>
           </a:bodyPr>
           <a:lstStyle/>
           <a:p>
-            <a:endParaRPr lang="es-ES" dirty="0"/>
-          </a:p>
-          <a:p>
-            <a:endParaRPr lang="es-ES" dirty="0"/>
-          </a:p>
-          <a:p>
-            <a:r>
-              <a:rPr lang="es-ES" dirty="0"/>
-              <a:t>Proyecto de ML realizado por Alfonso Pérez Lizarriturri</a:t>
+            <a:r>
+              <a:rPr lang="es-ES" sz="4400" dirty="0"/>
+              <a:t>¿ES UN AVION?</a:t>
+            </a:r>
+          </a:p>
+        </p:txBody>
+      </p:sp>
+      <p:sp>
+        <p:nvSpPr>
+          <p:cNvPr id="4" name="CuadroTexto 3">
+            <a:extLst>
+              <a:ext uri="{FF2B5EF4-FFF2-40B4-BE49-F238E27FC236}">
+                <a16:creationId xmlns:a16="http://schemas.microsoft.com/office/drawing/2014/main" id="{C7542508-4C14-0096-0748-702D3A8836E1}"/>
+              </a:ext>
+            </a:extLst>
+          </p:cNvPr>
+          <p:cNvSpPr txBox="1"/>
+          <p:nvPr/>
+        </p:nvSpPr>
+        <p:spPr>
+          <a:xfrm>
+            <a:off x="7270811" y="4234894"/>
+            <a:ext cx="3808521" cy="923330"/>
+          </a:xfrm>
+          <a:prstGeom prst="rect">
+            <a:avLst/>
+          </a:prstGeom>
+          <a:noFill/>
+        </p:spPr>
+        <p:txBody>
+          <a:bodyPr wrap="square" rtlCol="0">
+            <a:spAutoFit/>
+          </a:bodyPr>
+          <a:lstStyle/>
+          <a:p>
+            <a:r>
+              <a:rPr lang="es-ES" sz="5400" dirty="0"/>
+              <a:t>NO! ES…</a:t>
             </a:r>
           </a:p>
         </p:txBody>
@@ -7830,7 +7875,7 @@
     </p:spTree>
     <p:extLst>
       <p:ext uri="{BB962C8B-B14F-4D97-AF65-F5344CB8AC3E}">
-        <p14:creationId xmlns:p14="http://schemas.microsoft.com/office/powerpoint/2010/main" val="2746043199"/>
+        <p14:creationId xmlns:p14="http://schemas.microsoft.com/office/powerpoint/2010/main" val="2051652917"/>
       </p:ext>
     </p:extLst>
   </p:cSld>
@@ -7862,6 +7907,144 @@
           <p:cNvPr id="2" name="Título 1">
             <a:extLst>
               <a:ext uri="{FF2B5EF4-FFF2-40B4-BE49-F238E27FC236}">
+                <a16:creationId xmlns:a16="http://schemas.microsoft.com/office/drawing/2014/main" id="{7A06B980-94CC-9C93-3246-839DD4DB4892}"/>
+              </a:ext>
+            </a:extLst>
+          </p:cNvPr>
+          <p:cNvSpPr>
+            <a:spLocks noGrp="1"/>
+          </p:cNvSpPr>
+          <p:nvPr>
+            <p:ph type="title"/>
+          </p:nvPr>
+        </p:nvSpPr>
+        <p:spPr/>
+        <p:txBody>
+          <a:bodyPr/>
+          <a:lstStyle/>
+          <a:p>
+            <a:r>
+              <a:rPr lang="es-ES" dirty="0"/>
+              <a:t>Feature engineering</a:t>
+            </a:r>
+          </a:p>
+        </p:txBody>
+      </p:sp>
+      <p:sp>
+        <p:nvSpPr>
+          <p:cNvPr id="3" name="Marcador de contenido 2">
+            <a:extLst>
+              <a:ext uri="{FF2B5EF4-FFF2-40B4-BE49-F238E27FC236}">
+                <a16:creationId xmlns:a16="http://schemas.microsoft.com/office/drawing/2014/main" id="{382C7A5C-C8AE-A855-F500-337CC8997E4F}"/>
+              </a:ext>
+            </a:extLst>
+          </p:cNvPr>
+          <p:cNvSpPr>
+            <a:spLocks noGrp="1"/>
+          </p:cNvSpPr>
+          <p:nvPr>
+            <p:ph idx="1"/>
+          </p:nvPr>
+        </p:nvSpPr>
+        <p:spPr>
+          <a:xfrm>
+            <a:off x="680321" y="2336873"/>
+            <a:ext cx="1929713" cy="3599316"/>
+          </a:xfrm>
+        </p:spPr>
+        <p:txBody>
+          <a:bodyPr/>
+          <a:lstStyle/>
+          <a:p>
+            <a:pPr marL="0" indent="0" algn="just">
+              <a:buNone/>
+            </a:pPr>
+            <a:r>
+              <a:rPr lang="es-ES" dirty="0"/>
+              <a:t>Este es el </a:t>
+            </a:r>
+            <a:r>
+              <a:rPr lang="es-ES" dirty="0" err="1"/>
+              <a:t>heatmap</a:t>
+            </a:r>
+            <a:r>
+              <a:rPr lang="es-ES" dirty="0"/>
+              <a:t> de las variables numéricas obtenidas en el modelo sin dividir</a:t>
+            </a:r>
+          </a:p>
+        </p:txBody>
+      </p:sp>
+      <p:pic>
+        <p:nvPicPr>
+          <p:cNvPr id="5" name="Imagen 4">
+            <a:extLst>
+              <a:ext uri="{FF2B5EF4-FFF2-40B4-BE49-F238E27FC236}">
+                <a16:creationId xmlns:a16="http://schemas.microsoft.com/office/drawing/2014/main" id="{B3CB1CE9-31CB-C3BF-3A30-79EDF3A3ECA9}"/>
+              </a:ext>
+            </a:extLst>
+          </p:cNvPr>
+          <p:cNvPicPr>
+            <a:picLocks noChangeAspect="1"/>
+          </p:cNvPicPr>
+          <p:nvPr/>
+        </p:nvPicPr>
+        <p:blipFill>
+          <a:blip r:embed="rId2">
+            <a:extLst>
+              <a:ext uri="{28A0092B-C50C-407E-A947-70E740481C1C}">
+                <a14:useLocalDpi xmlns:a14="http://schemas.microsoft.com/office/drawing/2010/main" val="0"/>
+              </a:ext>
+            </a:extLst>
+          </a:blip>
+          <a:stretch>
+            <a:fillRect/>
+          </a:stretch>
+        </p:blipFill>
+        <p:spPr>
+          <a:xfrm>
+            <a:off x="3107185" y="2184338"/>
+            <a:ext cx="7297158" cy="3920434"/>
+          </a:xfrm>
+          <a:prstGeom prst="rect">
+            <a:avLst/>
+          </a:prstGeom>
+        </p:spPr>
+      </p:pic>
+    </p:spTree>
+    <p:extLst>
+      <p:ext uri="{BB962C8B-B14F-4D97-AF65-F5344CB8AC3E}">
+        <p14:creationId xmlns:p14="http://schemas.microsoft.com/office/powerpoint/2010/main" val="3599099667"/>
+      </p:ext>
+    </p:extLst>
+  </p:cSld>
+  <p:clrMapOvr>
+    <a:masterClrMapping/>
+  </p:clrMapOvr>
+</p:sld>
+</file>
+
+<file path=ppt/slides/slide11.xml><?xml version="1.0" encoding="utf-8"?>
+<p:sld xmlns:a="http://schemas.openxmlformats.org/drawingml/2006/main" xmlns:r="http://schemas.openxmlformats.org/officeDocument/2006/relationships" xmlns:p="http://schemas.openxmlformats.org/presentationml/2006/main">
+  <p:cSld>
+    <p:spTree>
+      <p:nvGrpSpPr>
+        <p:cNvPr id="1" name=""/>
+        <p:cNvGrpSpPr/>
+        <p:nvPr/>
+      </p:nvGrpSpPr>
+      <p:grpSpPr>
+        <a:xfrm>
+          <a:off x="0" y="0"/>
+          <a:ext cx="0" cy="0"/>
+          <a:chOff x="0" y="0"/>
+          <a:chExt cx="0" cy="0"/>
+        </a:xfrm>
+      </p:grpSpPr>
+      <p:sp>
+        <p:nvSpPr>
+          <p:cNvPr id="2" name="Título 1">
+            <a:extLst>
+              <a:ext uri="{FF2B5EF4-FFF2-40B4-BE49-F238E27FC236}">
                 <a16:creationId xmlns:a16="http://schemas.microsoft.com/office/drawing/2014/main" id="{6FE14968-A627-2AD8-A75B-7DBF0F3B3608}"/>
               </a:ext>
             </a:extLst>
@@ -7879,18 +8062,9 @@
           <a:lstStyle/>
           <a:p>
             <a:r>
-              <a:rPr lang="es-ES" dirty="0" err="1"/>
-              <a:t>Feature</a:t>
-            </a:r>
-            <a:r>
               <a:rPr lang="es-ES" dirty="0"/>
-              <a:t> </a:t>
-            </a:r>
-            <a:r>
-              <a:rPr lang="es-ES" dirty="0" err="1"/>
-              <a:t>engineering</a:t>
-            </a:r>
-            <a:endParaRPr lang="es-ES" dirty="0"/>
+              <a:t>Feature engineering</a:t>
+            </a:r>
           </a:p>
         </p:txBody>
       </p:sp>
@@ -8015,7 +8189,7 @@
 </p:sld>
 </file>
 
-<file path=ppt/slides/slide11.xml><?xml version="1.0" encoding="utf-8"?>
+<file path=ppt/slides/slide12.xml><?xml version="1.0" encoding="utf-8"?>
 <p:sld xmlns:a="http://schemas.openxmlformats.org/drawingml/2006/main" xmlns:r="http://schemas.openxmlformats.org/officeDocument/2006/relationships" xmlns:p="http://schemas.openxmlformats.org/presentationml/2006/main">
   <p:cSld>
     <p:spTree>
@@ -8054,18 +8228,9 @@
           <a:lstStyle/>
           <a:p>
             <a:r>
-              <a:rPr lang="es-ES" dirty="0" err="1"/>
-              <a:t>Feature</a:t>
-            </a:r>
-            <a:r>
               <a:rPr lang="es-ES" dirty="0"/>
-              <a:t> </a:t>
-            </a:r>
-            <a:r>
-              <a:rPr lang="es-ES" dirty="0" err="1"/>
-              <a:t>engineering</a:t>
-            </a:r>
-            <a:endParaRPr lang="es-ES" dirty="0"/>
+              <a:t>Feature engineering</a:t>
+            </a:r>
           </a:p>
         </p:txBody>
       </p:sp>
@@ -8210,7 +8375,7 @@
 </p:sld>
 </file>
 
-<file path=ppt/slides/slide12.xml><?xml version="1.0" encoding="utf-8"?>
+<file path=ppt/slides/slide13.xml><?xml version="1.0" encoding="utf-8"?>
 <p:sld xmlns:a="http://schemas.openxmlformats.org/drawingml/2006/main" xmlns:r="http://schemas.openxmlformats.org/officeDocument/2006/relationships" xmlns:p="http://schemas.openxmlformats.org/presentationml/2006/main">
   <p:cSld>
     <p:spTree>
@@ -8249,16 +8414,8 @@
           <a:lstStyle/>
           <a:p>
             <a:r>
-              <a:rPr lang="es-ES" dirty="0" err="1"/>
-              <a:t>Feature</a:t>
-            </a:r>
-            <a:r>
               <a:rPr lang="es-ES" dirty="0"/>
-              <a:t> </a:t>
-            </a:r>
-            <a:r>
-              <a:rPr lang="es-ES" dirty="0" err="1"/>
-              <a:t>engineering</a:t>
+              <a:t>Feature engineering</a:t>
             </a:r>
             <a:br>
               <a:rPr lang="es-ES" dirty="0"/>
@@ -8391,7 +8548,7 @@
 </p:sld>
 </file>
 
-<file path=ppt/slides/slide13.xml><?xml version="1.0" encoding="utf-8"?>
+<file path=ppt/slides/slide14.xml><?xml version="1.0" encoding="utf-8"?>
 <p:sld xmlns:a="http://schemas.openxmlformats.org/drawingml/2006/main" xmlns:r="http://schemas.openxmlformats.org/officeDocument/2006/relationships" xmlns:p="http://schemas.openxmlformats.org/presentationml/2006/main">
   <p:cSld>
     <p:spTree>
@@ -8531,7 +8688,7 @@
 </p:sld>
 </file>
 
-<file path=ppt/slides/slide14.xml><?xml version="1.0" encoding="utf-8"?>
+<file path=ppt/slides/slide15.xml><?xml version="1.0" encoding="utf-8"?>
 <p:sld xmlns:a="http://schemas.openxmlformats.org/drawingml/2006/main" xmlns:r="http://schemas.openxmlformats.org/officeDocument/2006/relationships" xmlns:p="http://schemas.openxmlformats.org/presentationml/2006/main">
   <p:cSld>
     <p:spTree>
@@ -8676,7 +8833,7 @@
 </p:sld>
 </file>
 
-<file path=ppt/slides/slide15.xml><?xml version="1.0" encoding="utf-8"?>
+<file path=ppt/slides/slide16.xml><?xml version="1.0" encoding="utf-8"?>
 <p:sld xmlns:a="http://schemas.openxmlformats.org/drawingml/2006/main" xmlns:r="http://schemas.openxmlformats.org/officeDocument/2006/relationships" xmlns:p="http://schemas.openxmlformats.org/presentationml/2006/main">
   <p:cSld>
     <p:spTree>
@@ -8787,15 +8944,7 @@
           <a:p>
             <a:r>
               <a:rPr lang="es-ES" dirty="0"/>
-              <a:t>Aquí observamos que según aumentamos el percentil desde el 75 al 90, aumentamos valor máximo y medio de nuestro </a:t>
-            </a:r>
-            <a:r>
-              <a:rPr lang="es-ES" dirty="0" err="1"/>
-              <a:t>dataset</a:t>
-            </a:r>
-            <a:r>
-              <a:rPr lang="es-ES" dirty="0"/>
-              <a:t> pero nuestro MAE apenas se ve afectado.</a:t>
+              <a:t>Aquí observamos que según aumentamos el percentil desde el 75 al 90, aumentamos valor máximo y medio de nuestro dataset pero nuestro MAE apenas se ve afectado.</a:t>
             </a:r>
           </a:p>
           <a:p>
@@ -8822,7 +8971,7 @@
 </p:sld>
 </file>
 
-<file path=ppt/slides/slide16.xml><?xml version="1.0" encoding="utf-8"?>
+<file path=ppt/slides/slide17.xml><?xml version="1.0" encoding="utf-8"?>
 <p:sld xmlns:a="http://schemas.openxmlformats.org/drawingml/2006/main" xmlns:r="http://schemas.openxmlformats.org/officeDocument/2006/relationships" xmlns:p="http://schemas.openxmlformats.org/presentationml/2006/main">
   <p:cSld>
     <p:spTree>
@@ -8950,6 +9099,221 @@
 </p:sld>
 </file>
 
+<file path=ppt/slides/slide18.xml><?xml version="1.0" encoding="utf-8"?>
+<p:sld xmlns:a="http://schemas.openxmlformats.org/drawingml/2006/main" xmlns:r="http://schemas.openxmlformats.org/officeDocument/2006/relationships" xmlns:p="http://schemas.openxmlformats.org/presentationml/2006/main">
+  <p:cSld>
+    <p:spTree>
+      <p:nvGrpSpPr>
+        <p:cNvPr id="1" name=""/>
+        <p:cNvGrpSpPr/>
+        <p:nvPr/>
+      </p:nvGrpSpPr>
+      <p:grpSpPr>
+        <a:xfrm>
+          <a:off x="0" y="0"/>
+          <a:ext cx="0" cy="0"/>
+          <a:chOff x="0" y="0"/>
+          <a:chExt cx="0" cy="0"/>
+        </a:xfrm>
+      </p:grpSpPr>
+      <p:sp>
+        <p:nvSpPr>
+          <p:cNvPr id="2" name="Título 1">
+            <a:extLst>
+              <a:ext uri="{FF2B5EF4-FFF2-40B4-BE49-F238E27FC236}">
+                <a16:creationId xmlns:a16="http://schemas.microsoft.com/office/drawing/2014/main" id="{269A2B94-9ADD-9772-25D6-B40CD2AF08CD}"/>
+              </a:ext>
+            </a:extLst>
+          </p:cNvPr>
+          <p:cNvSpPr>
+            <a:spLocks noGrp="1"/>
+          </p:cNvSpPr>
+          <p:nvPr>
+            <p:ph type="title"/>
+          </p:nvPr>
+        </p:nvSpPr>
+        <p:spPr/>
+        <p:txBody>
+          <a:bodyPr/>
+          <a:lstStyle/>
+          <a:p>
+            <a:r>
+              <a:rPr lang="es-ES" dirty="0"/>
+              <a:t>Elección del modelo</a:t>
+            </a:r>
+          </a:p>
+        </p:txBody>
+      </p:sp>
+      <p:sp>
+        <p:nvSpPr>
+          <p:cNvPr id="3" name="Marcador de contenido 2">
+            <a:extLst>
+              <a:ext uri="{FF2B5EF4-FFF2-40B4-BE49-F238E27FC236}">
+                <a16:creationId xmlns:a16="http://schemas.microsoft.com/office/drawing/2014/main" id="{DBE7EEE3-6FF5-8135-5DFD-1B637A8095E8}"/>
+              </a:ext>
+            </a:extLst>
+          </p:cNvPr>
+          <p:cNvSpPr>
+            <a:spLocks noGrp="1"/>
+          </p:cNvSpPr>
+          <p:nvPr>
+            <p:ph idx="1"/>
+          </p:nvPr>
+        </p:nvSpPr>
+        <p:spPr/>
+        <p:txBody>
+          <a:bodyPr/>
+          <a:lstStyle/>
+          <a:p>
+            <a:pPr marL="0" indent="0">
+              <a:buNone/>
+            </a:pPr>
+            <a:r>
+              <a:rPr lang="es-ES" dirty="0"/>
+              <a:t>XGBRegressor fue el modelo elegido y esta fue la </a:t>
+            </a:r>
+            <a:r>
+              <a:rPr lang="es-ES" dirty="0" err="1"/>
+              <a:t>hiperparametrización</a:t>
+            </a:r>
+            <a:r>
+              <a:rPr lang="es-ES" dirty="0"/>
+              <a:t> que mejor resultado dio</a:t>
+            </a:r>
+          </a:p>
+          <a:p>
+            <a:r>
+              <a:rPr lang="es-ES" dirty="0"/>
+              <a:t>Colsample_bytree = 0.8</a:t>
+            </a:r>
+          </a:p>
+          <a:p>
+            <a:r>
+              <a:rPr lang="es-ES" dirty="0"/>
+              <a:t>Learning_rate = 0.05</a:t>
+            </a:r>
+          </a:p>
+          <a:p>
+            <a:r>
+              <a:rPr lang="es-ES" dirty="0" err="1"/>
+              <a:t>Max_Depth</a:t>
+            </a:r>
+            <a:r>
+              <a:rPr lang="es-ES" dirty="0"/>
+              <a:t> = 9</a:t>
+            </a:r>
+          </a:p>
+          <a:p>
+            <a:r>
+              <a:rPr lang="es-ES" dirty="0" err="1"/>
+              <a:t>N_estimators</a:t>
+            </a:r>
+            <a:r>
+              <a:rPr lang="es-ES" dirty="0"/>
+              <a:t> = 400</a:t>
+            </a:r>
+          </a:p>
+          <a:p>
+            <a:r>
+              <a:rPr lang="es-ES" dirty="0" err="1"/>
+              <a:t>Subsample</a:t>
+            </a:r>
+            <a:r>
+              <a:rPr lang="es-ES" dirty="0"/>
+              <a:t> = 0.8</a:t>
+            </a:r>
+          </a:p>
+          <a:p>
+            <a:endParaRPr lang="es-ES" dirty="0"/>
+          </a:p>
+          <a:p>
+            <a:endParaRPr lang="es-ES" dirty="0"/>
+          </a:p>
+        </p:txBody>
+      </p:sp>
+    </p:spTree>
+    <p:extLst>
+      <p:ext uri="{BB962C8B-B14F-4D97-AF65-F5344CB8AC3E}">
+        <p14:creationId xmlns:p14="http://schemas.microsoft.com/office/powerpoint/2010/main" val="3954787934"/>
+      </p:ext>
+    </p:extLst>
+  </p:cSld>
+  <p:clrMapOvr>
+    <a:masterClrMapping/>
+  </p:clrMapOvr>
+</p:sld>
+</file>
+
+<file path=ppt/slides/slide19.xml><?xml version="1.0" encoding="utf-8"?>
+<p:sld xmlns:a="http://schemas.openxmlformats.org/drawingml/2006/main" xmlns:r="http://schemas.openxmlformats.org/officeDocument/2006/relationships" xmlns:p="http://schemas.openxmlformats.org/presentationml/2006/main">
+  <p:cSld>
+    <p:spTree>
+      <p:nvGrpSpPr>
+        <p:cNvPr id="1" name=""/>
+        <p:cNvGrpSpPr/>
+        <p:nvPr/>
+      </p:nvGrpSpPr>
+      <p:grpSpPr>
+        <a:xfrm>
+          <a:off x="0" y="0"/>
+          <a:ext cx="0" cy="0"/>
+          <a:chOff x="0" y="0"/>
+          <a:chExt cx="0" cy="0"/>
+        </a:xfrm>
+      </p:grpSpPr>
+      <p:sp>
+        <p:nvSpPr>
+          <p:cNvPr id="2" name="CuadroTexto 1">
+            <a:extLst>
+              <a:ext uri="{FF2B5EF4-FFF2-40B4-BE49-F238E27FC236}">
+                <a16:creationId xmlns:a16="http://schemas.microsoft.com/office/drawing/2014/main" id="{68F0E717-A7A3-66C9-7A2A-134978EB04E4}"/>
+              </a:ext>
+            </a:extLst>
+          </p:cNvPr>
+          <p:cNvSpPr txBox="1"/>
+          <p:nvPr/>
+        </p:nvSpPr>
+        <p:spPr>
+          <a:xfrm>
+            <a:off x="2521258" y="1500326"/>
+            <a:ext cx="6489577" cy="1015663"/>
+          </a:xfrm>
+          <a:prstGeom prst="rect">
+            <a:avLst/>
+          </a:prstGeom>
+          <a:noFill/>
+        </p:spPr>
+        <p:txBody>
+          <a:bodyPr wrap="square" rtlCol="0">
+            <a:spAutoFit/>
+          </a:bodyPr>
+          <a:lstStyle/>
+          <a:p>
+            <a:pPr algn="ctr"/>
+            <a:r>
+              <a:rPr lang="es-ES" sz="6000"/>
+              <a:t>¡Muchas </a:t>
+            </a:r>
+            <a:r>
+              <a:rPr lang="es-ES" sz="6000" dirty="0"/>
+              <a:t>gracias!</a:t>
+            </a:r>
+          </a:p>
+        </p:txBody>
+      </p:sp>
+    </p:spTree>
+    <p:extLst>
+      <p:ext uri="{BB962C8B-B14F-4D97-AF65-F5344CB8AC3E}">
+        <p14:creationId xmlns:p14="http://schemas.microsoft.com/office/powerpoint/2010/main" val="1483962981"/>
+      </p:ext>
+    </p:extLst>
+  </p:cSld>
+  <p:clrMapOvr>
+    <a:masterClrMapping/>
+  </p:clrMapOvr>
+</p:sld>
+</file>
+
 <file path=ppt/slides/slide2.xml><?xml version="1.0" encoding="utf-8"?>
 <p:sld xmlns:a="http://schemas.openxmlformats.org/drawingml/2006/main" xmlns:r="http://schemas.openxmlformats.org/officeDocument/2006/relationships" xmlns:p="http://schemas.openxmlformats.org/presentationml/2006/main">
   <p:cSld>
@@ -8972,7 +9336,7 @@
           <p:cNvPr id="2" name="Título 1">
             <a:extLst>
               <a:ext uri="{FF2B5EF4-FFF2-40B4-BE49-F238E27FC236}">
-                <a16:creationId xmlns:a16="http://schemas.microsoft.com/office/drawing/2014/main" id="{94A294FC-00C0-F924-22F9-B584FCCD9024}"/>
+                <a16:creationId xmlns:a16="http://schemas.microsoft.com/office/drawing/2014/main" id="{F0E80FF7-AFC3-23B0-AFE4-4963969DF16F}"/>
               </a:ext>
             </a:extLst>
           </p:cNvPr>
@@ -8980,7 +9344,7 @@
             <a:spLocks noGrp="1"/>
           </p:cNvSpPr>
           <p:nvPr>
-            <p:ph type="title"/>
+            <p:ph type="ctrTitle"/>
           </p:nvPr>
         </p:nvSpPr>
         <p:spPr/>
@@ -8988,27 +9352,24 @@
           <a:bodyPr/>
           <a:lstStyle/>
           <a:p>
-            <a:r>
-              <a:rPr lang="es-ES" dirty="0"/>
-              <a:t>¿Qué es </a:t>
-            </a:r>
-            <a:r>
-              <a:rPr lang="es-ES" dirty="0" err="1"/>
-              <a:t>Fonsicar</a:t>
-            </a:r>
-            <a:r>
-              <a:rPr lang="es-ES" dirty="0"/>
-              <a:t>?</a:t>
-            </a:r>
-          </a:p>
-        </p:txBody>
-      </p:sp>
-      <p:sp>
-        <p:nvSpPr>
-          <p:cNvPr id="3" name="Marcador de contenido 2">
+            <a:pPr algn="ctr"/>
+            <a:r>
+              <a:rPr lang="es-ES" dirty="0">
+                <a:solidFill>
+                  <a:srgbClr val="00B0F0"/>
+                </a:solidFill>
+              </a:rPr>
+              <a:t>FONSICAR</a:t>
+            </a:r>
+          </a:p>
+        </p:txBody>
+      </p:sp>
+      <p:sp>
+        <p:nvSpPr>
+          <p:cNvPr id="3" name="Subtítulo 2">
             <a:extLst>
               <a:ext uri="{FF2B5EF4-FFF2-40B4-BE49-F238E27FC236}">
-                <a16:creationId xmlns:a16="http://schemas.microsoft.com/office/drawing/2014/main" id="{87E79A1B-DB5C-2B64-EA30-CC5C88062DAD}"/>
+                <a16:creationId xmlns:a16="http://schemas.microsoft.com/office/drawing/2014/main" id="{58C0D88B-6280-65F0-FAE7-D83B6166CC38}"/>
               </a:ext>
             </a:extLst>
           </p:cNvPr>
@@ -9016,12 +9377,14 @@
             <a:spLocks noGrp="1"/>
           </p:cNvSpPr>
           <p:nvPr>
-            <p:ph idx="1"/>
+            <p:ph type="subTitle" idx="1"/>
           </p:nvPr>
         </p:nvSpPr>
         <p:spPr/>
         <p:txBody>
-          <a:bodyPr/>
+          <a:bodyPr>
+            <a:normAutofit lnSpcReduction="10000"/>
+          </a:bodyPr>
           <a:lstStyle/>
           <a:p>
             <a:endParaRPr lang="es-ES" dirty="0"/>
@@ -9030,24 +9393,9 @@
             <a:endParaRPr lang="es-ES" dirty="0"/>
           </a:p>
           <a:p>
-            <a:pPr marL="0" indent="0" algn="just">
-              <a:buNone/>
-            </a:pPr>
-            <a:r>
-              <a:rPr lang="es-ES" dirty="0" err="1"/>
-              <a:t>Fonsicar</a:t>
-            </a:r>
             <a:r>
               <a:rPr lang="es-ES" dirty="0"/>
-              <a:t> es un modelo de machine </a:t>
-            </a:r>
-            <a:r>
-              <a:rPr lang="es-ES" dirty="0" err="1"/>
-              <a:t>learning</a:t>
-            </a:r>
-            <a:r>
-              <a:rPr lang="es-ES" dirty="0"/>
-              <a:t> que trata de resolver el problema de la valoración de un coche de segunda mano, tanto para comprarlo como para venderlo</a:t>
+              <a:t>Proyecto de ML realizado por Alfonso Pérez Lizarriturri</a:t>
             </a:r>
           </a:p>
         </p:txBody>
@@ -9055,7 +9403,7 @@
     </p:spTree>
     <p:extLst>
       <p:ext uri="{BB962C8B-B14F-4D97-AF65-F5344CB8AC3E}">
-        <p14:creationId xmlns:p14="http://schemas.microsoft.com/office/powerpoint/2010/main" val="2653600399"/>
+        <p14:creationId xmlns:p14="http://schemas.microsoft.com/office/powerpoint/2010/main" val="2746043199"/>
       </p:ext>
     </p:extLst>
   </p:cSld>
@@ -9087,7 +9435,7 @@
           <p:cNvPr id="2" name="Título 1">
             <a:extLst>
               <a:ext uri="{FF2B5EF4-FFF2-40B4-BE49-F238E27FC236}">
-                <a16:creationId xmlns:a16="http://schemas.microsoft.com/office/drawing/2014/main" id="{E44B76E1-B726-C952-1E65-39E9AE3290E3}"/>
+                <a16:creationId xmlns:a16="http://schemas.microsoft.com/office/drawing/2014/main" id="{94A294FC-00C0-F924-22F9-B584FCCD9024}"/>
               </a:ext>
             </a:extLst>
           </p:cNvPr>
@@ -9105,7 +9453,7 @@
           <a:p>
             <a:r>
               <a:rPr lang="es-ES" dirty="0"/>
-              <a:t>Metodología</a:t>
+              <a:t>¿Qué es Fonsicar?</a:t>
             </a:r>
           </a:p>
         </p:txBody>
@@ -9115,7 +9463,7 @@
           <p:cNvPr id="3" name="Marcador de contenido 2">
             <a:extLst>
               <a:ext uri="{FF2B5EF4-FFF2-40B4-BE49-F238E27FC236}">
-                <a16:creationId xmlns:a16="http://schemas.microsoft.com/office/drawing/2014/main" id="{CFEB4D02-9358-84B6-44A9-C79A1484F3C8}"/>
+                <a16:creationId xmlns:a16="http://schemas.microsoft.com/office/drawing/2014/main" id="{87E79A1B-DB5C-2B64-EA30-CC5C88062DAD}"/>
               </a:ext>
             </a:extLst>
           </p:cNvPr>
@@ -9131,62 +9479,18 @@
           <a:bodyPr/>
           <a:lstStyle/>
           <a:p>
-            <a:pPr algn="just"/>
+            <a:endParaRPr lang="es-ES" dirty="0"/>
+          </a:p>
+          <a:p>
+            <a:endParaRPr lang="es-ES" dirty="0"/>
+          </a:p>
+          <a:p>
+            <a:pPr marL="0" indent="0" algn="just">
+              <a:buNone/>
+            </a:pPr>
             <a:r>
               <a:rPr lang="es-ES" dirty="0"/>
-              <a:t>Uso un </a:t>
-            </a:r>
-            <a:r>
-              <a:rPr lang="es-ES" dirty="0" err="1"/>
-              <a:t>dataset</a:t>
-            </a:r>
-            <a:r>
-              <a:rPr lang="es-ES" dirty="0"/>
-              <a:t> de coches españoles para mayor representatividad del problema.</a:t>
-            </a:r>
-          </a:p>
-          <a:p>
-            <a:pPr algn="just"/>
-            <a:r>
-              <a:rPr lang="es-ES" dirty="0"/>
-              <a:t>Realizo un </a:t>
-            </a:r>
-            <a:r>
-              <a:rPr lang="es-ES" dirty="0" err="1"/>
-              <a:t>feature</a:t>
-            </a:r>
-            <a:r>
-              <a:rPr lang="es-ES" dirty="0"/>
-              <a:t> </a:t>
-            </a:r>
-            <a:r>
-              <a:rPr lang="es-ES" dirty="0" err="1"/>
-              <a:t>engineering</a:t>
-            </a:r>
-            <a:r>
-              <a:rPr lang="es-ES" dirty="0"/>
-              <a:t> exhaustivo para tener una buena calidad de datos.</a:t>
-            </a:r>
-          </a:p>
-          <a:p>
-            <a:pPr algn="just"/>
-            <a:r>
-              <a:rPr lang="es-ES" dirty="0"/>
-              <a:t>Selecciono las variables optimas mediante un análisis objetivo.</a:t>
-            </a:r>
-          </a:p>
-          <a:p>
-            <a:pPr algn="just"/>
-            <a:r>
-              <a:rPr lang="es-ES" dirty="0"/>
-              <a:t>Pruebo diferentes tipos de modelado para ver cual es el que mejor se adapta a mi modelo.</a:t>
-            </a:r>
-          </a:p>
-          <a:p>
-            <a:pPr algn="just"/>
-            <a:r>
-              <a:rPr lang="es-ES" dirty="0"/>
-              <a:t>Probamos el mejor modelo en una aplicación</a:t>
+              <a:t>Fonsicar es un modelo de machine learning que trata de resolver el problema de la valoración de un coche de segunda mano, tanto para comprarlo como para venderlo</a:t>
             </a:r>
           </a:p>
         </p:txBody>
@@ -9194,7 +9498,7 @@
     </p:spTree>
     <p:extLst>
       <p:ext uri="{BB962C8B-B14F-4D97-AF65-F5344CB8AC3E}">
-        <p14:creationId xmlns:p14="http://schemas.microsoft.com/office/powerpoint/2010/main" val="2586683527"/>
+        <p14:creationId xmlns:p14="http://schemas.microsoft.com/office/powerpoint/2010/main" val="2653600399"/>
       </p:ext>
     </p:extLst>
   </p:cSld>
@@ -9226,7 +9530,7 @@
           <p:cNvPr id="2" name="Título 1">
             <a:extLst>
               <a:ext uri="{FF2B5EF4-FFF2-40B4-BE49-F238E27FC236}">
-                <a16:creationId xmlns:a16="http://schemas.microsoft.com/office/drawing/2014/main" id="{CE3E2141-89BE-A362-6E20-7659D0D3BCF0}"/>
+                <a16:creationId xmlns:a16="http://schemas.microsoft.com/office/drawing/2014/main" id="{E44B76E1-B726-C952-1E65-39E9AE3290E3}"/>
               </a:ext>
             </a:extLst>
           </p:cNvPr>
@@ -9243,18 +9547,9 @@
           <a:lstStyle/>
           <a:p>
             <a:r>
-              <a:rPr lang="es-ES" dirty="0" err="1"/>
-              <a:t>Feature</a:t>
-            </a:r>
-            <a:r>
               <a:rPr lang="es-ES" dirty="0"/>
-              <a:t> </a:t>
-            </a:r>
-            <a:r>
-              <a:rPr lang="es-ES" dirty="0" err="1"/>
-              <a:t>engineering</a:t>
-            </a:r>
-            <a:endParaRPr lang="es-ES" dirty="0"/>
+              <a:t>Metodología</a:t>
+            </a:r>
           </a:p>
         </p:txBody>
       </p:sp>
@@ -9263,7 +9558,7 @@
           <p:cNvPr id="3" name="Marcador de contenido 2">
             <a:extLst>
               <a:ext uri="{FF2B5EF4-FFF2-40B4-BE49-F238E27FC236}">
-                <a16:creationId xmlns:a16="http://schemas.microsoft.com/office/drawing/2014/main" id="{D6245782-82D7-F3F6-0234-71257CF7C499}"/>
+                <a16:creationId xmlns:a16="http://schemas.microsoft.com/office/drawing/2014/main" id="{CFEB4D02-9358-84B6-44A9-C79A1484F3C8}"/>
               </a:ext>
             </a:extLst>
           </p:cNvPr>
@@ -9279,35 +9574,38 @@
           <a:bodyPr/>
           <a:lstStyle/>
           <a:p>
+            <a:pPr algn="just"/>
             <a:r>
               <a:rPr lang="es-ES" dirty="0"/>
-              <a:t>El </a:t>
-            </a:r>
-            <a:r>
-              <a:rPr lang="es-ES" dirty="0" err="1"/>
-              <a:t>dataset</a:t>
-            </a:r>
+              <a:t>Uso un dataset de coches españoles para mayor representatividad del problema.</a:t>
+            </a:r>
+          </a:p>
+          <a:p>
+            <a:pPr algn="just"/>
             <a:r>
               <a:rPr lang="es-ES" dirty="0"/>
-              <a:t> esta compuesto por 50.000 registros de coches, con coches desde 1970 hasta el 2022</a:t>
-            </a:r>
-          </a:p>
-          <a:p>
+              <a:t>Realizo un feature engineering exhaustivo para tener una buena calidad de datos.</a:t>
+            </a:r>
+          </a:p>
+          <a:p>
+            <a:pPr algn="just"/>
             <a:r>
               <a:rPr lang="es-ES" dirty="0"/>
-              <a:t>Hay 72 marcas y 881 modelos diferentes</a:t>
-            </a:r>
-          </a:p>
-          <a:p>
+              <a:t>Selecciono las variables optimas mediante un análisis objetivo.</a:t>
+            </a:r>
+          </a:p>
+          <a:p>
+            <a:pPr algn="just"/>
             <a:r>
               <a:rPr lang="es-ES" dirty="0"/>
-              <a:t>El rango de precio es desde 300€ hasta 549900€</a:t>
-            </a:r>
-          </a:p>
-          <a:p>
+              <a:t>Pruebo diferentes tipos de modelado para ver cual es el que mejor se adapta a mi modelo.</a:t>
+            </a:r>
+          </a:p>
+          <a:p>
+            <a:pPr algn="just"/>
             <a:r>
               <a:rPr lang="es-ES" dirty="0"/>
-              <a:t>Vendidos en todas las provincias de España</a:t>
+              <a:t>Probamos el mejor modelo en una aplicación</a:t>
             </a:r>
           </a:p>
         </p:txBody>
@@ -9315,7 +9613,7 @@
     </p:spTree>
     <p:extLst>
       <p:ext uri="{BB962C8B-B14F-4D97-AF65-F5344CB8AC3E}">
-        <p14:creationId xmlns:p14="http://schemas.microsoft.com/office/powerpoint/2010/main" val="1648360104"/>
+        <p14:creationId xmlns:p14="http://schemas.microsoft.com/office/powerpoint/2010/main" val="2586683527"/>
       </p:ext>
     </p:extLst>
   </p:cSld>
@@ -9347,6 +9645,121 @@
           <p:cNvPr id="2" name="Título 1">
             <a:extLst>
               <a:ext uri="{FF2B5EF4-FFF2-40B4-BE49-F238E27FC236}">
+                <a16:creationId xmlns:a16="http://schemas.microsoft.com/office/drawing/2014/main" id="{CE3E2141-89BE-A362-6E20-7659D0D3BCF0}"/>
+              </a:ext>
+            </a:extLst>
+          </p:cNvPr>
+          <p:cNvSpPr>
+            <a:spLocks noGrp="1"/>
+          </p:cNvSpPr>
+          <p:nvPr>
+            <p:ph type="title"/>
+          </p:nvPr>
+        </p:nvSpPr>
+        <p:spPr/>
+        <p:txBody>
+          <a:bodyPr/>
+          <a:lstStyle/>
+          <a:p>
+            <a:r>
+              <a:rPr lang="es-ES" dirty="0"/>
+              <a:t>Feature engineering</a:t>
+            </a:r>
+          </a:p>
+        </p:txBody>
+      </p:sp>
+      <p:sp>
+        <p:nvSpPr>
+          <p:cNvPr id="3" name="Marcador de contenido 2">
+            <a:extLst>
+              <a:ext uri="{FF2B5EF4-FFF2-40B4-BE49-F238E27FC236}">
+                <a16:creationId xmlns:a16="http://schemas.microsoft.com/office/drawing/2014/main" id="{D6245782-82D7-F3F6-0234-71257CF7C499}"/>
+              </a:ext>
+            </a:extLst>
+          </p:cNvPr>
+          <p:cNvSpPr>
+            <a:spLocks noGrp="1"/>
+          </p:cNvSpPr>
+          <p:nvPr>
+            <p:ph idx="1"/>
+          </p:nvPr>
+        </p:nvSpPr>
+        <p:spPr/>
+        <p:txBody>
+          <a:bodyPr/>
+          <a:lstStyle/>
+          <a:p>
+            <a:r>
+              <a:rPr lang="es-ES" dirty="0"/>
+              <a:t>El dataset esta compuesto por 50.000 registros de coches, con coches desde 1970 hasta </a:t>
+            </a:r>
+            <a:r>
+              <a:rPr lang="es-ES"/>
+              <a:t>el 2022.</a:t>
+            </a:r>
+            <a:endParaRPr lang="es-ES" dirty="0"/>
+          </a:p>
+          <a:p>
+            <a:r>
+              <a:rPr lang="es-ES" dirty="0"/>
+              <a:t>Hay 72 marcas y 881 modelos diferentes.</a:t>
+            </a:r>
+          </a:p>
+          <a:p>
+            <a:r>
+              <a:rPr lang="es-ES" dirty="0"/>
+              <a:t>El rango de precio es desde 300€ hasta 549900€.</a:t>
+            </a:r>
+          </a:p>
+          <a:p>
+            <a:r>
+              <a:rPr lang="es-ES" dirty="0"/>
+              <a:t>Vendidos en todas las provincias de España.</a:t>
+            </a:r>
+          </a:p>
+          <a:p>
+            <a:r>
+              <a:rPr lang="es-ES" dirty="0"/>
+              <a:t>Empezamos con 21 variables alfanuméricas que con la limpieza llegaron a ser 15 y después pasaron a ser 25 con los datos en su versión final.</a:t>
+            </a:r>
+          </a:p>
+        </p:txBody>
+      </p:sp>
+    </p:spTree>
+    <p:extLst>
+      <p:ext uri="{BB962C8B-B14F-4D97-AF65-F5344CB8AC3E}">
+        <p14:creationId xmlns:p14="http://schemas.microsoft.com/office/powerpoint/2010/main" val="1648360104"/>
+      </p:ext>
+    </p:extLst>
+  </p:cSld>
+  <p:clrMapOvr>
+    <a:masterClrMapping/>
+  </p:clrMapOvr>
+</p:sld>
+</file>
+
+<file path=ppt/slides/slide6.xml><?xml version="1.0" encoding="utf-8"?>
+<p:sld xmlns:a="http://schemas.openxmlformats.org/drawingml/2006/main" xmlns:r="http://schemas.openxmlformats.org/officeDocument/2006/relationships" xmlns:p="http://schemas.openxmlformats.org/presentationml/2006/main">
+  <p:cSld>
+    <p:spTree>
+      <p:nvGrpSpPr>
+        <p:cNvPr id="1" name=""/>
+        <p:cNvGrpSpPr/>
+        <p:nvPr/>
+      </p:nvGrpSpPr>
+      <p:grpSpPr>
+        <a:xfrm>
+          <a:off x="0" y="0"/>
+          <a:ext cx="0" cy="0"/>
+          <a:chOff x="0" y="0"/>
+          <a:chExt cx="0" cy="0"/>
+        </a:xfrm>
+      </p:grpSpPr>
+      <p:sp>
+        <p:nvSpPr>
+          <p:cNvPr id="2" name="Título 1">
+            <a:extLst>
+              <a:ext uri="{FF2B5EF4-FFF2-40B4-BE49-F238E27FC236}">
                 <a16:creationId xmlns:a16="http://schemas.microsoft.com/office/drawing/2014/main" id="{739BF748-3590-2D2E-AD3A-5505BEDB83DC}"/>
               </a:ext>
             </a:extLst>
@@ -9364,18 +9777,9 @@
           <a:lstStyle/>
           <a:p>
             <a:r>
-              <a:rPr lang="es-ES" dirty="0" err="1"/>
-              <a:t>Feature</a:t>
-            </a:r>
-            <a:r>
               <a:rPr lang="es-ES" dirty="0"/>
-              <a:t> </a:t>
-            </a:r>
-            <a:r>
-              <a:rPr lang="es-ES" dirty="0" err="1"/>
-              <a:t>engineering</a:t>
-            </a:r>
-            <a:endParaRPr lang="es-ES" dirty="0"/>
+              <a:t>Feature engineering</a:t>
+            </a:r>
           </a:p>
         </p:txBody>
       </p:sp>
@@ -9469,168 +9873,6 @@
 </p:sld>
 </file>
 
-<file path=ppt/slides/slide6.xml><?xml version="1.0" encoding="utf-8"?>
-<p:sld xmlns:a="http://schemas.openxmlformats.org/drawingml/2006/main" xmlns:r="http://schemas.openxmlformats.org/officeDocument/2006/relationships" xmlns:p="http://schemas.openxmlformats.org/presentationml/2006/main">
-  <p:cSld>
-    <p:spTree>
-      <p:nvGrpSpPr>
-        <p:cNvPr id="1" name=""/>
-        <p:cNvGrpSpPr/>
-        <p:nvPr/>
-      </p:nvGrpSpPr>
-      <p:grpSpPr>
-        <a:xfrm>
-          <a:off x="0" y="0"/>
-          <a:ext cx="0" cy="0"/>
-          <a:chOff x="0" y="0"/>
-          <a:chExt cx="0" cy="0"/>
-        </a:xfrm>
-      </p:grpSpPr>
-      <p:sp>
-        <p:nvSpPr>
-          <p:cNvPr id="2" name="Título 1">
-            <a:extLst>
-              <a:ext uri="{FF2B5EF4-FFF2-40B4-BE49-F238E27FC236}">
-                <a16:creationId xmlns:a16="http://schemas.microsoft.com/office/drawing/2014/main" id="{C5B4C9D9-D37A-3E21-0D34-3BD33B5F66B8}"/>
-              </a:ext>
-            </a:extLst>
-          </p:cNvPr>
-          <p:cNvSpPr>
-            <a:spLocks noGrp="1"/>
-          </p:cNvSpPr>
-          <p:nvPr>
-            <p:ph type="title"/>
-          </p:nvPr>
-        </p:nvSpPr>
-        <p:spPr/>
-        <p:txBody>
-          <a:bodyPr/>
-          <a:lstStyle/>
-          <a:p>
-            <a:r>
-              <a:rPr lang="es-ES" dirty="0" err="1"/>
-              <a:t>Feature</a:t>
-            </a:r>
-            <a:r>
-              <a:rPr lang="es-ES" dirty="0"/>
-              <a:t> </a:t>
-            </a:r>
-            <a:r>
-              <a:rPr lang="es-ES" dirty="0" err="1"/>
-              <a:t>engineering</a:t>
-            </a:r>
-            <a:endParaRPr lang="es-ES" dirty="0"/>
-          </a:p>
-        </p:txBody>
-      </p:sp>
-      <p:sp>
-        <p:nvSpPr>
-          <p:cNvPr id="3" name="Marcador de contenido 2">
-            <a:extLst>
-              <a:ext uri="{FF2B5EF4-FFF2-40B4-BE49-F238E27FC236}">
-                <a16:creationId xmlns:a16="http://schemas.microsoft.com/office/drawing/2014/main" id="{4CAC65D8-F46B-4AD8-7D67-8538F9D2A8F7}"/>
-              </a:ext>
-            </a:extLst>
-          </p:cNvPr>
-          <p:cNvSpPr>
-            <a:spLocks noGrp="1"/>
-          </p:cNvSpPr>
-          <p:nvPr>
-            <p:ph idx="1"/>
-          </p:nvPr>
-        </p:nvSpPr>
-        <p:spPr>
-          <a:xfrm>
-            <a:off x="680321" y="2336873"/>
-            <a:ext cx="6510592" cy="3599316"/>
-          </a:xfrm>
-        </p:spPr>
-        <p:txBody>
-          <a:bodyPr>
-            <a:normAutofit/>
-          </a:bodyPr>
-          <a:lstStyle/>
-          <a:p>
-            <a:pPr marL="0" indent="0" algn="just">
-              <a:buNone/>
-            </a:pPr>
-            <a:r>
-              <a:rPr lang="es-ES" dirty="0"/>
-              <a:t>El problema de tener </a:t>
-            </a:r>
-            <a:r>
-              <a:rPr lang="es-ES" dirty="0" err="1"/>
-              <a:t>outliers</a:t>
-            </a:r>
-            <a:r>
-              <a:rPr lang="es-ES" dirty="0"/>
-              <a:t> tan marcados es que afecta a todas las métricas, por tanto en la primera aproximación </a:t>
-            </a:r>
-            <a:r>
-              <a:rPr lang="es-ES" dirty="0" err="1"/>
-              <a:t>obtenia</a:t>
-            </a:r>
-            <a:r>
-              <a:rPr lang="es-ES" dirty="0"/>
-              <a:t> un MAE de 4868€ que dado que la media de los coches era de 17380€, era demasiado.</a:t>
-            </a:r>
-          </a:p>
-          <a:p>
-            <a:pPr marL="0" indent="0" algn="just">
-              <a:buNone/>
-            </a:pPr>
-            <a:r>
-              <a:rPr lang="es-ES" dirty="0"/>
-              <a:t>Para corregir tanta desviación opto por dividir el </a:t>
-            </a:r>
-            <a:r>
-              <a:rPr lang="es-ES" dirty="0" err="1"/>
-              <a:t>dataset</a:t>
-            </a:r>
-            <a:r>
-              <a:rPr lang="es-ES" dirty="0"/>
-              <a:t> en dos </a:t>
-            </a:r>
-            <a:r>
-              <a:rPr lang="es-ES" dirty="0" err="1"/>
-              <a:t>datasets</a:t>
-            </a:r>
-            <a:r>
-              <a:rPr lang="es-ES" dirty="0"/>
-              <a:t>, uno para coches asequibles o del </a:t>
-            </a:r>
-            <a:r>
-              <a:rPr lang="es-ES" dirty="0" err="1"/>
-              <a:t>dia</a:t>
-            </a:r>
-            <a:r>
-              <a:rPr lang="es-ES" dirty="0"/>
-              <a:t> a </a:t>
-            </a:r>
-            <a:r>
-              <a:rPr lang="es-ES" dirty="0" err="1"/>
-              <a:t>dia</a:t>
-            </a:r>
-            <a:r>
-              <a:rPr lang="es-ES" dirty="0"/>
-              <a:t> y otro para coches premium</a:t>
-            </a:r>
-          </a:p>
-        </p:txBody>
-      </p:sp>
-    </p:spTree>
-    <p:extLst>
-      <p:ext uri="{BB962C8B-B14F-4D97-AF65-F5344CB8AC3E}">
-        <p14:creationId xmlns:p14="http://schemas.microsoft.com/office/powerpoint/2010/main" val="414197372"/>
-      </p:ext>
-    </p:extLst>
-  </p:cSld>
-  <p:clrMapOvr>
-    <a:masterClrMapping/>
-  </p:clrMapOvr>
-</p:sld>
-</file>
-
 <file path=ppt/slides/slide7.xml><?xml version="1.0" encoding="utf-8"?>
 <p:sld xmlns:a="http://schemas.openxmlformats.org/drawingml/2006/main" xmlns:r="http://schemas.openxmlformats.org/officeDocument/2006/relationships" xmlns:p="http://schemas.openxmlformats.org/presentationml/2006/main">
   <p:cSld>
@@ -9653,7 +9895,7 @@
           <p:cNvPr id="2" name="Título 1">
             <a:extLst>
               <a:ext uri="{FF2B5EF4-FFF2-40B4-BE49-F238E27FC236}">
-                <a16:creationId xmlns:a16="http://schemas.microsoft.com/office/drawing/2014/main" id="{7A71FC65-8FC9-9B93-9B91-049897017041}"/>
+                <a16:creationId xmlns:a16="http://schemas.microsoft.com/office/drawing/2014/main" id="{C5B4C9D9-D37A-3E21-0D34-3BD33B5F66B8}"/>
               </a:ext>
             </a:extLst>
           </p:cNvPr>
@@ -9670,60 +9912,103 @@
           <a:lstStyle/>
           <a:p>
             <a:r>
-              <a:rPr lang="es-ES" dirty="0" err="1"/>
-              <a:t>Feature</a:t>
-            </a:r>
-            <a:r>
               <a:rPr lang="es-ES" dirty="0"/>
-              <a:t> </a:t>
-            </a:r>
-            <a:r>
-              <a:rPr lang="es-ES" dirty="0" err="1"/>
-              <a:t>engineering</a:t>
-            </a:r>
-            <a:endParaRPr lang="es-ES" dirty="0"/>
-          </a:p>
-        </p:txBody>
-      </p:sp>
-      <p:pic>
-        <p:nvPicPr>
-          <p:cNvPr id="5" name="Marcador de contenido 4">
+              <a:t>Feature engineering</a:t>
+            </a:r>
+          </a:p>
+        </p:txBody>
+      </p:sp>
+      <p:sp>
+        <p:nvSpPr>
+          <p:cNvPr id="3" name="Marcador de contenido 2">
             <a:extLst>
               <a:ext uri="{FF2B5EF4-FFF2-40B4-BE49-F238E27FC236}">
-                <a16:creationId xmlns:a16="http://schemas.microsoft.com/office/drawing/2014/main" id="{D96E4D6B-5D0E-43AA-9DA7-186648AF4158}"/>
+                <a16:creationId xmlns:a16="http://schemas.microsoft.com/office/drawing/2014/main" id="{4CAC65D8-F46B-4AD8-7D67-8538F9D2A8F7}"/>
               </a:ext>
             </a:extLst>
           </p:cNvPr>
-          <p:cNvPicPr>
-            <a:picLocks noGrp="1" noChangeAspect="1"/>
-          </p:cNvPicPr>
+          <p:cNvSpPr>
+            <a:spLocks noGrp="1"/>
+          </p:cNvSpPr>
           <p:nvPr>
             <p:ph idx="1"/>
           </p:nvPr>
-        </p:nvPicPr>
-        <p:blipFill>
-          <a:blip r:embed="rId2">
-            <a:extLst>
-              <a:ext uri="{28A0092B-C50C-407E-A947-70E740481C1C}">
-                <a14:useLocalDpi xmlns:a14="http://schemas.microsoft.com/office/drawing/2010/main" val="0"/>
-              </a:ext>
-            </a:extLst>
-          </a:blip>
-          <a:stretch>
-            <a:fillRect/>
-          </a:stretch>
-        </p:blipFill>
-        <p:spPr>
-          <a:xfrm>
-            <a:off x="1047565" y="2373367"/>
-            <a:ext cx="6462459" cy="3855259"/>
-          </a:xfrm>
-        </p:spPr>
-      </p:pic>
+        </p:nvSpPr>
+        <p:spPr>
+          <a:xfrm>
+            <a:off x="680321" y="2336873"/>
+            <a:ext cx="6510592" cy="3599316"/>
+          </a:xfrm>
+        </p:spPr>
+        <p:txBody>
+          <a:bodyPr>
+            <a:normAutofit/>
+          </a:bodyPr>
+          <a:lstStyle/>
+          <a:p>
+            <a:pPr marL="0" indent="0" algn="just">
+              <a:buNone/>
+            </a:pPr>
+            <a:r>
+              <a:rPr lang="es-ES" dirty="0"/>
+              <a:t>El problema de tener </a:t>
+            </a:r>
+            <a:r>
+              <a:rPr lang="es-ES" dirty="0" err="1"/>
+              <a:t>outliers</a:t>
+            </a:r>
+            <a:r>
+              <a:rPr lang="es-ES" dirty="0"/>
+              <a:t> tan marcados es que afecta a todas las métricas, por tanto en la primera aproximación </a:t>
+            </a:r>
+            <a:r>
+              <a:rPr lang="es-ES" dirty="0" err="1"/>
+              <a:t>obtenia</a:t>
+            </a:r>
+            <a:r>
+              <a:rPr lang="es-ES" dirty="0"/>
+              <a:t> un MAE de 4868€ que dado que la media de los coches era de 17380€, era demasiado.</a:t>
+            </a:r>
+          </a:p>
+          <a:p>
+            <a:pPr marL="0" indent="0" algn="just">
+              <a:buNone/>
+            </a:pPr>
+            <a:r>
+              <a:rPr lang="es-ES" dirty="0"/>
+              <a:t>Para corregir tanta desviación opto por dividir el dataset en dos </a:t>
+            </a:r>
+            <a:r>
+              <a:rPr lang="es-ES" dirty="0" err="1"/>
+              <a:t>datasets</a:t>
+            </a:r>
+            <a:r>
+              <a:rPr lang="es-ES" dirty="0"/>
+              <a:t>, uno para coches asequibles o del </a:t>
+            </a:r>
+            <a:r>
+              <a:rPr lang="es-ES" dirty="0" err="1"/>
+              <a:t>dia</a:t>
+            </a:r>
+            <a:r>
+              <a:rPr lang="es-ES" dirty="0"/>
+              <a:t> a </a:t>
+            </a:r>
+            <a:r>
+              <a:rPr lang="es-ES" dirty="0" err="1"/>
+              <a:t>dia</a:t>
+            </a:r>
+            <a:r>
+              <a:rPr lang="es-ES" dirty="0"/>
+              <a:t> y otro para coches premium</a:t>
+            </a:r>
+          </a:p>
+        </p:txBody>
+      </p:sp>
     </p:spTree>
     <p:extLst>
       <p:ext uri="{BB962C8B-B14F-4D97-AF65-F5344CB8AC3E}">
-        <p14:creationId xmlns:p14="http://schemas.microsoft.com/office/powerpoint/2010/main" val="3588839224"/>
+        <p14:creationId xmlns:p14="http://schemas.microsoft.com/office/powerpoint/2010/main" val="414197372"/>
       </p:ext>
     </p:extLst>
   </p:cSld>
@@ -9755,7 +10040,7 @@
           <p:cNvPr id="2" name="Título 1">
             <a:extLst>
               <a:ext uri="{FF2B5EF4-FFF2-40B4-BE49-F238E27FC236}">
-                <a16:creationId xmlns:a16="http://schemas.microsoft.com/office/drawing/2014/main" id="{D91DD053-90EC-F799-BC80-F2A34BD175D2}"/>
+                <a16:creationId xmlns:a16="http://schemas.microsoft.com/office/drawing/2014/main" id="{7A71FC65-8FC9-9B93-9B91-049897017041}"/>
               </a:ext>
             </a:extLst>
           </p:cNvPr>
@@ -9772,18 +10057,9 @@
           <a:lstStyle/>
           <a:p>
             <a:r>
-              <a:rPr lang="es-ES" dirty="0" err="1"/>
-              <a:t>Feature</a:t>
-            </a:r>
-            <a:r>
               <a:rPr lang="es-ES" dirty="0"/>
-              <a:t> </a:t>
-            </a:r>
-            <a:r>
-              <a:rPr lang="es-ES" dirty="0" err="1"/>
-              <a:t>engineering</a:t>
-            </a:r>
-            <a:endParaRPr lang="es-ES" dirty="0"/>
+              <a:t>Feature engineering</a:t>
+            </a:r>
           </a:p>
         </p:txBody>
       </p:sp>
@@ -9792,7 +10068,7 @@
           <p:cNvPr id="5" name="Marcador de contenido 4">
             <a:extLst>
               <a:ext uri="{FF2B5EF4-FFF2-40B4-BE49-F238E27FC236}">
-                <a16:creationId xmlns:a16="http://schemas.microsoft.com/office/drawing/2014/main" id="{E1A08297-1689-96D5-9F74-770CA66C6C3B}"/>
+                <a16:creationId xmlns:a16="http://schemas.microsoft.com/office/drawing/2014/main" id="{D96E4D6B-5D0E-43AA-9DA7-186648AF4158}"/>
               </a:ext>
             </a:extLst>
           </p:cNvPr>
@@ -9817,15 +10093,15 @@
         </p:blipFill>
         <p:spPr>
           <a:xfrm>
-            <a:off x="1122247" y="2345678"/>
-            <a:ext cx="6032670" cy="3598863"/>
+            <a:off x="1047565" y="2373367"/>
+            <a:ext cx="6462459" cy="3855259"/>
           </a:xfrm>
         </p:spPr>
       </p:pic>
     </p:spTree>
     <p:extLst>
       <p:ext uri="{BB962C8B-B14F-4D97-AF65-F5344CB8AC3E}">
-        <p14:creationId xmlns:p14="http://schemas.microsoft.com/office/powerpoint/2010/main" val="3183115522"/>
+        <p14:creationId xmlns:p14="http://schemas.microsoft.com/office/powerpoint/2010/main" val="3588839224"/>
       </p:ext>
     </p:extLst>
   </p:cSld>
@@ -9857,7 +10133,7 @@
           <p:cNvPr id="2" name="Título 1">
             <a:extLst>
               <a:ext uri="{FF2B5EF4-FFF2-40B4-BE49-F238E27FC236}">
-                <a16:creationId xmlns:a16="http://schemas.microsoft.com/office/drawing/2014/main" id="{7A06B980-94CC-9C93-3246-839DD4DB4892}"/>
+                <a16:creationId xmlns:a16="http://schemas.microsoft.com/office/drawing/2014/main" id="{D91DD053-90EC-F799-BC80-F2A34BD175D2}"/>
               </a:ext>
             </a:extLst>
           </p:cNvPr>
@@ -9874,78 +10150,27 @@
           <a:lstStyle/>
           <a:p>
             <a:r>
-              <a:rPr lang="es-ES" dirty="0" err="1"/>
-              <a:t>Feature</a:t>
-            </a:r>
-            <a:r>
               <a:rPr lang="es-ES" dirty="0"/>
-              <a:t> </a:t>
-            </a:r>
-            <a:r>
-              <a:rPr lang="es-ES" dirty="0" err="1"/>
-              <a:t>engineering</a:t>
-            </a:r>
-            <a:endParaRPr lang="es-ES" dirty="0"/>
-          </a:p>
-        </p:txBody>
-      </p:sp>
-      <p:sp>
-        <p:nvSpPr>
-          <p:cNvPr id="3" name="Marcador de contenido 2">
+              <a:t>Feature engineering</a:t>
+            </a:r>
+          </a:p>
+        </p:txBody>
+      </p:sp>
+      <p:pic>
+        <p:nvPicPr>
+          <p:cNvPr id="5" name="Marcador de contenido 4">
             <a:extLst>
               <a:ext uri="{FF2B5EF4-FFF2-40B4-BE49-F238E27FC236}">
-                <a16:creationId xmlns:a16="http://schemas.microsoft.com/office/drawing/2014/main" id="{382C7A5C-C8AE-A855-F500-337CC8997E4F}"/>
-              </a:ext>
-            </a:extLst>
-          </p:cNvPr>
-          <p:cNvSpPr>
-            <a:spLocks noGrp="1"/>
-          </p:cNvSpPr>
-          <p:nvPr>
-            <p:ph idx="1"/>
-          </p:nvPr>
-        </p:nvSpPr>
-        <p:spPr>
-          <a:xfrm>
-            <a:off x="680321" y="2336873"/>
-            <a:ext cx="1929713" cy="3599316"/>
-          </a:xfrm>
-        </p:spPr>
-        <p:txBody>
-          <a:bodyPr/>
-          <a:lstStyle/>
-          <a:p>
-            <a:pPr marL="0" indent="0" algn="just">
-              <a:buNone/>
-            </a:pPr>
-            <a:r>
-              <a:rPr lang="es-ES" dirty="0"/>
-              <a:t>Este es el </a:t>
-            </a:r>
-            <a:r>
-              <a:rPr lang="es-ES" dirty="0" err="1"/>
-              <a:t>heatmap</a:t>
-            </a:r>
-            <a:r>
-              <a:rPr lang="es-ES" dirty="0"/>
-              <a:t> de las variables numéricas obtenidas en el modelo sin dividir</a:t>
-            </a:r>
-          </a:p>
-        </p:txBody>
-      </p:sp>
-      <p:pic>
-        <p:nvPicPr>
-          <p:cNvPr id="5" name="Imagen 4">
-            <a:extLst>
-              <a:ext uri="{FF2B5EF4-FFF2-40B4-BE49-F238E27FC236}">
-                <a16:creationId xmlns:a16="http://schemas.microsoft.com/office/drawing/2014/main" id="{B3CB1CE9-31CB-C3BF-3A30-79EDF3A3ECA9}"/>
+                <a16:creationId xmlns:a16="http://schemas.microsoft.com/office/drawing/2014/main" id="{E1A08297-1689-96D5-9F74-770CA66C6C3B}"/>
               </a:ext>
             </a:extLst>
           </p:cNvPr>
           <p:cNvPicPr>
-            <a:picLocks noChangeAspect="1"/>
+            <a:picLocks noGrp="1" noChangeAspect="1"/>
           </p:cNvPicPr>
-          <p:nvPr/>
+          <p:nvPr>
+            <p:ph idx="1"/>
+          </p:nvPr>
         </p:nvPicPr>
         <p:blipFill>
           <a:blip r:embed="rId2">
@@ -9961,18 +10186,15 @@
         </p:blipFill>
         <p:spPr>
           <a:xfrm>
-            <a:off x="3107185" y="2184338"/>
-            <a:ext cx="7297158" cy="3920434"/>
-          </a:xfrm>
-          <a:prstGeom prst="rect">
-            <a:avLst/>
-          </a:prstGeom>
+            <a:off x="1122247" y="2345678"/>
+            <a:ext cx="6032670" cy="3598863"/>
+          </a:xfrm>
         </p:spPr>
       </p:pic>
     </p:spTree>
     <p:extLst>
       <p:ext uri="{BB962C8B-B14F-4D97-AF65-F5344CB8AC3E}">
-        <p14:creationId xmlns:p14="http://schemas.microsoft.com/office/powerpoint/2010/main" val="3599099667"/>
+        <p14:creationId xmlns:p14="http://schemas.microsoft.com/office/powerpoint/2010/main" val="3183115522"/>
       </p:ext>
     </p:extLst>
   </p:cSld>
